--- a/doc/results_20140328/Example Cities.pptx
+++ b/doc/results_20140328/Example Cities.pptx
@@ -3666,9 +3666,45 @@
           <a:chExt cx="0" cy="0"/>
         </a:xfrm>
       </p:grpSpPr>
+      <p:sp>
+        <p:nvSpPr>
+          <p:cNvPr id="3" name="TextBox 2"/>
+          <p:cNvSpPr txBox="1"/>
+          <p:nvPr/>
+        </p:nvSpPr>
+        <p:spPr>
+          <a:xfrm>
+            <a:off x="152400" y="152400"/>
+            <a:ext cx="2374176" cy="646331"/>
+          </a:xfrm>
+          <a:prstGeom prst="rect">
+            <a:avLst/>
+          </a:prstGeom>
+          <a:noFill/>
+        </p:spPr>
+        <p:txBody>
+          <a:bodyPr wrap="none" rtlCol="0">
+            <a:spAutoFit/>
+          </a:bodyPr>
+          <a:lstStyle/>
+          <a:p>
+            <a:r>
+              <a:rPr lang="en-US" dirty="0" smtClean="0"/>
+              <a:t>feature_tel-aviv2.xml</a:t>
+            </a:r>
+            <a:endParaRPr lang="en-US" dirty="0"/>
+          </a:p>
+          <a:p>
+            <a:r>
+              <a:rPr lang="en-US" dirty="0" smtClean="0"/>
+              <a:t>Business &amp; Commercial</a:t>
+            </a:r>
+          </a:p>
+        </p:txBody>
+      </p:sp>
       <p:pic>
         <p:nvPicPr>
-          <p:cNvPr id="9218" name="Picture 2"/>
+          <p:cNvPr id="1026" name="Picture 2"/>
           <p:cNvPicPr>
             <a:picLocks noChangeAspect="1" noChangeArrowheads="1"/>
           </p:cNvPicPr>
@@ -3689,8 +3725,8 @@
         </p:blipFill>
         <p:spPr bwMode="auto">
           <a:xfrm>
-            <a:off x="1624012" y="1066800"/>
-            <a:ext cx="5895975" cy="5686425"/>
+            <a:off x="1310912" y="777015"/>
+            <a:ext cx="6461487" cy="6004785"/>
           </a:xfrm>
           <a:prstGeom prst="rect">
             <a:avLst/>
@@ -3720,42 +3756,6 @@
           </a:extLst>
         </p:spPr>
       </p:pic>
-      <p:sp>
-        <p:nvSpPr>
-          <p:cNvPr id="3" name="TextBox 2"/>
-          <p:cNvSpPr txBox="1"/>
-          <p:nvPr/>
-        </p:nvSpPr>
-        <p:spPr>
-          <a:xfrm>
-            <a:off x="152400" y="152400"/>
-            <a:ext cx="2374176" cy="646331"/>
-          </a:xfrm>
-          <a:prstGeom prst="rect">
-            <a:avLst/>
-          </a:prstGeom>
-          <a:noFill/>
-        </p:spPr>
-        <p:txBody>
-          <a:bodyPr wrap="none" rtlCol="0">
-            <a:spAutoFit/>
-          </a:bodyPr>
-          <a:lstStyle/>
-          <a:p>
-            <a:r>
-              <a:rPr lang="en-US" dirty="0" smtClean="0"/>
-              <a:t>feature_tel-aviv2.xml</a:t>
-            </a:r>
-            <a:endParaRPr lang="en-US" dirty="0"/>
-          </a:p>
-          <a:p>
-            <a:r>
-              <a:rPr lang="en-US" dirty="0" smtClean="0"/>
-              <a:t>Business &amp; Commercial</a:t>
-            </a:r>
-          </a:p>
-        </p:txBody>
-      </p:sp>
     </p:spTree>
     <p:extLst>
       <p:ext uri="{BB962C8B-B14F-4D97-AF65-F5344CB8AC3E}">

--- a/doc/results_20140328/Example Cities.pptx
+++ b/doc/results_20140328/Example Cities.pptx
@@ -3756,6 +3756,636 @@
           </a:extLst>
         </p:spPr>
       </p:pic>
+      <p:sp>
+        <p:nvSpPr>
+          <p:cNvPr id="2" name="TextBox 1"/>
+          <p:cNvSpPr txBox="1"/>
+          <p:nvPr/>
+        </p:nvSpPr>
+        <p:spPr>
+          <a:xfrm>
+            <a:off x="5945157" y="3708916"/>
+            <a:ext cx="301686" cy="369332"/>
+          </a:xfrm>
+          <a:prstGeom prst="rect">
+            <a:avLst/>
+          </a:prstGeom>
+          <a:noFill/>
+        </p:spPr>
+        <p:txBody>
+          <a:bodyPr wrap="none" rtlCol="0">
+            <a:spAutoFit/>
+          </a:bodyPr>
+          <a:lstStyle/>
+          <a:p>
+            <a:r>
+              <a:rPr lang="en-US" dirty="0" smtClean="0"/>
+              <a:t>2</a:t>
+            </a:r>
+            <a:endParaRPr lang="en-US" dirty="0"/>
+          </a:p>
+        </p:txBody>
+      </p:sp>
+      <p:sp>
+        <p:nvSpPr>
+          <p:cNvPr id="5" name="TextBox 4"/>
+          <p:cNvSpPr txBox="1"/>
+          <p:nvPr/>
+        </p:nvSpPr>
+        <p:spPr>
+          <a:xfrm>
+            <a:off x="5410200" y="3962400"/>
+            <a:ext cx="301686" cy="369332"/>
+          </a:xfrm>
+          <a:prstGeom prst="rect">
+            <a:avLst/>
+          </a:prstGeom>
+          <a:noFill/>
+        </p:spPr>
+        <p:txBody>
+          <a:bodyPr wrap="none" rtlCol="0">
+            <a:spAutoFit/>
+          </a:bodyPr>
+          <a:lstStyle/>
+          <a:p>
+            <a:r>
+              <a:rPr lang="en-US" dirty="0" smtClean="0"/>
+              <a:t>5</a:t>
+            </a:r>
+            <a:endParaRPr lang="en-US" dirty="0"/>
+          </a:p>
+        </p:txBody>
+      </p:sp>
+      <p:sp>
+        <p:nvSpPr>
+          <p:cNvPr id="6" name="TextBox 5"/>
+          <p:cNvSpPr txBox="1"/>
+          <p:nvPr/>
+        </p:nvSpPr>
+        <p:spPr>
+          <a:xfrm>
+            <a:off x="5205900" y="4572000"/>
+            <a:ext cx="418704" cy="369332"/>
+          </a:xfrm>
+          <a:prstGeom prst="rect">
+            <a:avLst/>
+          </a:prstGeom>
+          <a:noFill/>
+        </p:spPr>
+        <p:txBody>
+          <a:bodyPr wrap="none" rtlCol="0">
+            <a:spAutoFit/>
+          </a:bodyPr>
+          <a:lstStyle/>
+          <a:p>
+            <a:r>
+              <a:rPr lang="en-US" dirty="0" smtClean="0"/>
+              <a:t>17</a:t>
+            </a:r>
+            <a:endParaRPr lang="en-US" dirty="0"/>
+          </a:p>
+        </p:txBody>
+      </p:sp>
+      <p:sp>
+        <p:nvSpPr>
+          <p:cNvPr id="7" name="TextBox 6"/>
+          <p:cNvSpPr txBox="1"/>
+          <p:nvPr/>
+        </p:nvSpPr>
+        <p:spPr>
+          <a:xfrm>
+            <a:off x="4332303" y="4385191"/>
+            <a:ext cx="301686" cy="369332"/>
+          </a:xfrm>
+          <a:prstGeom prst="rect">
+            <a:avLst/>
+          </a:prstGeom>
+          <a:noFill/>
+        </p:spPr>
+        <p:txBody>
+          <a:bodyPr wrap="none" rtlCol="0">
+            <a:spAutoFit/>
+          </a:bodyPr>
+          <a:lstStyle/>
+          <a:p>
+            <a:r>
+              <a:rPr lang="en-US" dirty="0" smtClean="0"/>
+              <a:t>9</a:t>
+            </a:r>
+            <a:endParaRPr lang="en-US" dirty="0"/>
+          </a:p>
+        </p:txBody>
+      </p:sp>
+      <p:sp>
+        <p:nvSpPr>
+          <p:cNvPr id="8" name="TextBox 7"/>
+          <p:cNvSpPr txBox="1"/>
+          <p:nvPr/>
+        </p:nvSpPr>
+        <p:spPr>
+          <a:xfrm>
+            <a:off x="3200400" y="5334000"/>
+            <a:ext cx="418704" cy="369332"/>
+          </a:xfrm>
+          <a:prstGeom prst="rect">
+            <a:avLst/>
+          </a:prstGeom>
+          <a:noFill/>
+        </p:spPr>
+        <p:txBody>
+          <a:bodyPr wrap="none" rtlCol="0">
+            <a:spAutoFit/>
+          </a:bodyPr>
+          <a:lstStyle/>
+          <a:p>
+            <a:r>
+              <a:rPr lang="en-US" dirty="0" smtClean="0"/>
+              <a:t>19</a:t>
+            </a:r>
+            <a:endParaRPr lang="en-US" dirty="0"/>
+          </a:p>
+        </p:txBody>
+      </p:sp>
+      <p:sp>
+        <p:nvSpPr>
+          <p:cNvPr id="9" name="TextBox 8"/>
+          <p:cNvSpPr txBox="1"/>
+          <p:nvPr/>
+        </p:nvSpPr>
+        <p:spPr>
+          <a:xfrm>
+            <a:off x="3333354" y="4144923"/>
+            <a:ext cx="418704" cy="369332"/>
+          </a:xfrm>
+          <a:prstGeom prst="rect">
+            <a:avLst/>
+          </a:prstGeom>
+          <a:noFill/>
+        </p:spPr>
+        <p:txBody>
+          <a:bodyPr wrap="none" rtlCol="0">
+            <a:spAutoFit/>
+          </a:bodyPr>
+          <a:lstStyle/>
+          <a:p>
+            <a:r>
+              <a:rPr lang="en-US" dirty="0" smtClean="0"/>
+              <a:t>14</a:t>
+            </a:r>
+            <a:endParaRPr lang="en-US" dirty="0"/>
+          </a:p>
+        </p:txBody>
+      </p:sp>
+      <p:sp>
+        <p:nvSpPr>
+          <p:cNvPr id="10" name="TextBox 9"/>
+          <p:cNvSpPr txBox="1"/>
+          <p:nvPr/>
+        </p:nvSpPr>
+        <p:spPr>
+          <a:xfrm>
+            <a:off x="4424637" y="3410075"/>
+            <a:ext cx="301686" cy="369332"/>
+          </a:xfrm>
+          <a:prstGeom prst="rect">
+            <a:avLst/>
+          </a:prstGeom>
+          <a:noFill/>
+        </p:spPr>
+        <p:txBody>
+          <a:bodyPr wrap="none" rtlCol="0">
+            <a:spAutoFit/>
+          </a:bodyPr>
+          <a:lstStyle/>
+          <a:p>
+            <a:r>
+              <a:rPr lang="en-US" dirty="0" smtClean="0"/>
+              <a:t>6</a:t>
+            </a:r>
+            <a:endParaRPr lang="en-US" dirty="0"/>
+          </a:p>
+        </p:txBody>
+      </p:sp>
+      <p:sp>
+        <p:nvSpPr>
+          <p:cNvPr id="11" name="TextBox 10"/>
+          <p:cNvSpPr txBox="1"/>
+          <p:nvPr/>
+        </p:nvSpPr>
+        <p:spPr>
+          <a:xfrm>
+            <a:off x="5108514" y="3562475"/>
+            <a:ext cx="301686" cy="369332"/>
+          </a:xfrm>
+          <a:prstGeom prst="rect">
+            <a:avLst/>
+          </a:prstGeom>
+          <a:noFill/>
+        </p:spPr>
+        <p:txBody>
+          <a:bodyPr wrap="none" rtlCol="0">
+            <a:spAutoFit/>
+          </a:bodyPr>
+          <a:lstStyle/>
+          <a:p>
+            <a:r>
+              <a:rPr lang="en-US" dirty="0" smtClean="0"/>
+              <a:t>4</a:t>
+            </a:r>
+            <a:endParaRPr lang="en-US" dirty="0"/>
+          </a:p>
+        </p:txBody>
+      </p:sp>
+      <p:sp>
+        <p:nvSpPr>
+          <p:cNvPr id="12" name="TextBox 11"/>
+          <p:cNvSpPr txBox="1"/>
+          <p:nvPr/>
+        </p:nvSpPr>
+        <p:spPr>
+          <a:xfrm>
+            <a:off x="5561043" y="3193143"/>
+            <a:ext cx="301686" cy="369332"/>
+          </a:xfrm>
+          <a:prstGeom prst="rect">
+            <a:avLst/>
+          </a:prstGeom>
+          <a:noFill/>
+        </p:spPr>
+        <p:txBody>
+          <a:bodyPr wrap="none" rtlCol="0">
+            <a:spAutoFit/>
+          </a:bodyPr>
+          <a:lstStyle/>
+          <a:p>
+            <a:r>
+              <a:rPr lang="en-US" dirty="0" smtClean="0"/>
+              <a:t>3</a:t>
+            </a:r>
+            <a:endParaRPr lang="en-US" dirty="0"/>
+          </a:p>
+        </p:txBody>
+      </p:sp>
+      <p:sp>
+        <p:nvSpPr>
+          <p:cNvPr id="13" name="TextBox 12"/>
+          <p:cNvSpPr txBox="1"/>
+          <p:nvPr/>
+        </p:nvSpPr>
+        <p:spPr>
+          <a:xfrm>
+            <a:off x="5653377" y="2286000"/>
+            <a:ext cx="418704" cy="369332"/>
+          </a:xfrm>
+          <a:prstGeom prst="rect">
+            <a:avLst/>
+          </a:prstGeom>
+          <a:noFill/>
+        </p:spPr>
+        <p:txBody>
+          <a:bodyPr wrap="none" rtlCol="0">
+            <a:spAutoFit/>
+          </a:bodyPr>
+          <a:lstStyle/>
+          <a:p>
+            <a:r>
+              <a:rPr lang="en-US" dirty="0" smtClean="0"/>
+              <a:t>16</a:t>
+            </a:r>
+            <a:endParaRPr lang="en-US" dirty="0"/>
+          </a:p>
+        </p:txBody>
+      </p:sp>
+      <p:sp>
+        <p:nvSpPr>
+          <p:cNvPr id="14" name="TextBox 13"/>
+          <p:cNvSpPr txBox="1"/>
+          <p:nvPr/>
+        </p:nvSpPr>
+        <p:spPr>
+          <a:xfrm>
+            <a:off x="4551180" y="2270641"/>
+            <a:ext cx="418704" cy="369332"/>
+          </a:xfrm>
+          <a:prstGeom prst="rect">
+            <a:avLst/>
+          </a:prstGeom>
+          <a:noFill/>
+        </p:spPr>
+        <p:txBody>
+          <a:bodyPr wrap="none" rtlCol="0">
+            <a:spAutoFit/>
+          </a:bodyPr>
+          <a:lstStyle/>
+          <a:p>
+            <a:r>
+              <a:rPr lang="en-US" dirty="0" smtClean="0"/>
+              <a:t>12</a:t>
+            </a:r>
+            <a:endParaRPr lang="en-US" dirty="0"/>
+          </a:p>
+        </p:txBody>
+      </p:sp>
+      <p:sp>
+        <p:nvSpPr>
+          <p:cNvPr id="15" name="TextBox 14"/>
+          <p:cNvSpPr txBox="1"/>
+          <p:nvPr/>
+        </p:nvSpPr>
+        <p:spPr>
+          <a:xfrm>
+            <a:off x="3409752" y="3193143"/>
+            <a:ext cx="301686" cy="369332"/>
+          </a:xfrm>
+          <a:prstGeom prst="rect">
+            <a:avLst/>
+          </a:prstGeom>
+          <a:noFill/>
+        </p:spPr>
+        <p:txBody>
+          <a:bodyPr wrap="none" rtlCol="0">
+            <a:spAutoFit/>
+          </a:bodyPr>
+          <a:lstStyle/>
+          <a:p>
+            <a:r>
+              <a:rPr lang="en-US" dirty="0" smtClean="0"/>
+              <a:t>7</a:t>
+            </a:r>
+            <a:endParaRPr lang="en-US" dirty="0"/>
+          </a:p>
+        </p:txBody>
+      </p:sp>
+      <p:sp>
+        <p:nvSpPr>
+          <p:cNvPr id="16" name="TextBox 15"/>
+          <p:cNvSpPr txBox="1"/>
+          <p:nvPr/>
+        </p:nvSpPr>
+        <p:spPr>
+          <a:xfrm>
+            <a:off x="2898714" y="3040743"/>
+            <a:ext cx="418704" cy="369332"/>
+          </a:xfrm>
+          <a:prstGeom prst="rect">
+            <a:avLst/>
+          </a:prstGeom>
+          <a:noFill/>
+        </p:spPr>
+        <p:txBody>
+          <a:bodyPr wrap="none" rtlCol="0">
+            <a:spAutoFit/>
+          </a:bodyPr>
+          <a:lstStyle/>
+          <a:p>
+            <a:r>
+              <a:rPr lang="en-US" dirty="0" smtClean="0"/>
+              <a:t>20</a:t>
+            </a:r>
+            <a:endParaRPr lang="en-US" dirty="0"/>
+          </a:p>
+        </p:txBody>
+      </p:sp>
+      <p:sp>
+        <p:nvSpPr>
+          <p:cNvPr id="17" name="TextBox 16"/>
+          <p:cNvSpPr txBox="1"/>
+          <p:nvPr/>
+        </p:nvSpPr>
+        <p:spPr>
+          <a:xfrm>
+            <a:off x="2545428" y="3893582"/>
+            <a:ext cx="418704" cy="369332"/>
+          </a:xfrm>
+          <a:prstGeom prst="rect">
+            <a:avLst/>
+          </a:prstGeom>
+          <a:noFill/>
+        </p:spPr>
+        <p:txBody>
+          <a:bodyPr wrap="none" rtlCol="0">
+            <a:spAutoFit/>
+          </a:bodyPr>
+          <a:lstStyle/>
+          <a:p>
+            <a:r>
+              <a:rPr lang="en-US" dirty="0" smtClean="0"/>
+              <a:t>10</a:t>
+            </a:r>
+            <a:endParaRPr lang="en-US" dirty="0"/>
+          </a:p>
+        </p:txBody>
+      </p:sp>
+      <p:sp>
+        <p:nvSpPr>
+          <p:cNvPr id="18" name="TextBox 17"/>
+          <p:cNvSpPr txBox="1"/>
+          <p:nvPr/>
+        </p:nvSpPr>
+        <p:spPr>
+          <a:xfrm>
+            <a:off x="3062298" y="1921907"/>
+            <a:ext cx="418704" cy="369332"/>
+          </a:xfrm>
+          <a:prstGeom prst="rect">
+            <a:avLst/>
+          </a:prstGeom>
+          <a:noFill/>
+        </p:spPr>
+        <p:txBody>
+          <a:bodyPr wrap="none" rtlCol="0">
+            <a:spAutoFit/>
+          </a:bodyPr>
+          <a:lstStyle/>
+          <a:p>
+            <a:r>
+              <a:rPr lang="en-US" dirty="0" smtClean="0"/>
+              <a:t>18</a:t>
+            </a:r>
+            <a:endParaRPr lang="en-US" dirty="0"/>
+          </a:p>
+        </p:txBody>
+      </p:sp>
+      <p:sp>
+        <p:nvSpPr>
+          <p:cNvPr id="19" name="TextBox 18"/>
+          <p:cNvSpPr txBox="1"/>
+          <p:nvPr/>
+        </p:nvSpPr>
+        <p:spPr>
+          <a:xfrm>
+            <a:off x="3576333" y="2292787"/>
+            <a:ext cx="301686" cy="369332"/>
+          </a:xfrm>
+          <a:prstGeom prst="rect">
+            <a:avLst/>
+          </a:prstGeom>
+          <a:noFill/>
+        </p:spPr>
+        <p:txBody>
+          <a:bodyPr wrap="none" rtlCol="0">
+            <a:spAutoFit/>
+          </a:bodyPr>
+          <a:lstStyle/>
+          <a:p>
+            <a:r>
+              <a:rPr lang="en-US" dirty="0" smtClean="0"/>
+              <a:t>8</a:t>
+            </a:r>
+            <a:endParaRPr lang="en-US" dirty="0"/>
+          </a:p>
+        </p:txBody>
+      </p:sp>
+      <p:sp>
+        <p:nvSpPr>
+          <p:cNvPr id="20" name="TextBox 19"/>
+          <p:cNvSpPr txBox="1"/>
+          <p:nvPr/>
+        </p:nvSpPr>
+        <p:spPr>
+          <a:xfrm>
+            <a:off x="3601215" y="1937624"/>
+            <a:ext cx="418704" cy="369332"/>
+          </a:xfrm>
+          <a:prstGeom prst="rect">
+            <a:avLst/>
+          </a:prstGeom>
+          <a:noFill/>
+        </p:spPr>
+        <p:txBody>
+          <a:bodyPr wrap="none" rtlCol="0">
+            <a:spAutoFit/>
+          </a:bodyPr>
+          <a:lstStyle/>
+          <a:p>
+            <a:r>
+              <a:rPr lang="en-US" dirty="0" smtClean="0"/>
+              <a:t>13</a:t>
+            </a:r>
+            <a:endParaRPr lang="en-US" dirty="0"/>
+          </a:p>
+        </p:txBody>
+      </p:sp>
+      <p:sp>
+        <p:nvSpPr>
+          <p:cNvPr id="21" name="TextBox 20"/>
+          <p:cNvSpPr txBox="1"/>
+          <p:nvPr/>
+        </p:nvSpPr>
+        <p:spPr>
+          <a:xfrm>
+            <a:off x="2734440" y="5334000"/>
+            <a:ext cx="418704" cy="369332"/>
+          </a:xfrm>
+          <a:prstGeom prst="rect">
+            <a:avLst/>
+          </a:prstGeom>
+          <a:noFill/>
+        </p:spPr>
+        <p:txBody>
+          <a:bodyPr wrap="none" rtlCol="0">
+            <a:spAutoFit/>
+          </a:bodyPr>
+          <a:lstStyle/>
+          <a:p>
+            <a:r>
+              <a:rPr lang="en-US" dirty="0" smtClean="0"/>
+              <a:t>15</a:t>
+            </a:r>
+            <a:endParaRPr lang="en-US" dirty="0"/>
+          </a:p>
+        </p:txBody>
+      </p:sp>
+      <p:sp>
+        <p:nvSpPr>
+          <p:cNvPr id="22" name="TextBox 21"/>
+          <p:cNvSpPr txBox="1"/>
+          <p:nvPr/>
+        </p:nvSpPr>
+        <p:spPr>
+          <a:xfrm>
+            <a:off x="2209800" y="4972050"/>
+            <a:ext cx="418704" cy="369332"/>
+          </a:xfrm>
+          <a:prstGeom prst="rect">
+            <a:avLst/>
+          </a:prstGeom>
+          <a:noFill/>
+        </p:spPr>
+        <p:txBody>
+          <a:bodyPr wrap="none" rtlCol="0">
+            <a:spAutoFit/>
+          </a:bodyPr>
+          <a:lstStyle/>
+          <a:p>
+            <a:r>
+              <a:rPr lang="en-US" dirty="0" smtClean="0"/>
+              <a:t>11</a:t>
+            </a:r>
+            <a:endParaRPr lang="en-US" dirty="0"/>
+          </a:p>
+        </p:txBody>
+      </p:sp>
+      <p:sp>
+        <p:nvSpPr>
+          <p:cNvPr id="23" name="TextBox 22"/>
+          <p:cNvSpPr txBox="1"/>
+          <p:nvPr/>
+        </p:nvSpPr>
+        <p:spPr>
+          <a:xfrm>
+            <a:off x="2164755" y="5474732"/>
+            <a:ext cx="301686" cy="369332"/>
+          </a:xfrm>
+          <a:prstGeom prst="rect">
+            <a:avLst/>
+          </a:prstGeom>
+          <a:noFill/>
+        </p:spPr>
+        <p:txBody>
+          <a:bodyPr wrap="none" rtlCol="0">
+            <a:spAutoFit/>
+          </a:bodyPr>
+          <a:lstStyle/>
+          <a:p>
+            <a:r>
+              <a:rPr lang="en-US" dirty="0" smtClean="0"/>
+              <a:t>0</a:t>
+            </a:r>
+            <a:endParaRPr lang="en-US" dirty="0"/>
+          </a:p>
+        </p:txBody>
+      </p:sp>
+      <p:sp>
+        <p:nvSpPr>
+          <p:cNvPr id="24" name="TextBox 23"/>
+          <p:cNvSpPr txBox="1"/>
+          <p:nvPr/>
+        </p:nvSpPr>
+        <p:spPr>
+          <a:xfrm>
+            <a:off x="2792949" y="5627132"/>
+            <a:ext cx="301686" cy="369332"/>
+          </a:xfrm>
+          <a:prstGeom prst="rect">
+            <a:avLst/>
+          </a:prstGeom>
+          <a:noFill/>
+        </p:spPr>
+        <p:txBody>
+          <a:bodyPr wrap="none" rtlCol="0">
+            <a:spAutoFit/>
+          </a:bodyPr>
+          <a:lstStyle/>
+          <a:p>
+            <a:r>
+              <a:rPr lang="en-US" dirty="0" smtClean="0"/>
+              <a:t>1</a:t>
+            </a:r>
+            <a:endParaRPr lang="en-US" dirty="0"/>
+          </a:p>
+        </p:txBody>
+      </p:sp>
     </p:spTree>
     <p:extLst>
       <p:ext uri="{BB962C8B-B14F-4D97-AF65-F5344CB8AC3E}">
